--- a/Paper/Bilder_Paper/vibration_main_paper/graphical abstract.pptx
+++ b/Paper/Bilder_Paper/vibration_main_paper/graphical abstract.pptx
@@ -5,10 +5,11 @@
     <p:sldMasterId id="2147483660" r:id="rId1"/>
   </p:sldMasterIdLst>
   <p:notesMasterIdLst>
-    <p:notesMasterId r:id="rId3"/>
+    <p:notesMasterId r:id="rId4"/>
   </p:notesMasterIdLst>
   <p:sldIdLst>
     <p:sldId id="256" r:id="rId2"/>
+    <p:sldId id="257" r:id="rId3"/>
   </p:sldIdLst>
   <p:sldSz cx="12650788" cy="5072063"/>
   <p:notesSz cx="6858000" cy="9144000"/>
@@ -107,6 +108,11 @@
       </a:defRPr>
     </a:lvl9pPr>
   </p:defaultTextStyle>
+  <p:extLst>
+    <p:ext uri="{EFAFB233-063F-42B5-8137-9DF3F51BA10A}">
+      <p15:sldGuideLst xmlns:p15="http://schemas.microsoft.com/office/powerpoint/2012/main"/>
+    </p:ext>
+  </p:extLst>
 </p:presentation>
 </file>
 
@@ -192,7 +198,7 @@
           <a:p>
             <a:fld id="{8208DCBD-2196-464B-9381-EB1E4F2B2163}" type="datetimeFigureOut">
               <a:rPr lang="de-DE" smtClean="0"/>
-              <a:t>10.11.24</a:t>
+              <a:t>11.11.24</a:t>
             </a:fld>
             <a:endParaRPr lang="de-DE"/>
           </a:p>
@@ -543,6 +549,114 @@
 </p:notes>
 </file>
 
+<file path=ppt/notesSlides/notesSlide2.xml><?xml version="1.0" encoding="utf-8"?>
+<p:notes xmlns:a="http://schemas.openxmlformats.org/drawingml/2006/main" xmlns:r="http://schemas.openxmlformats.org/officeDocument/2006/relationships" xmlns:p="http://schemas.openxmlformats.org/presentationml/2006/main">
+  <p:cSld>
+    <p:spTree>
+      <p:nvGrpSpPr>
+        <p:cNvPr id="1" name="">
+          <a:extLst>
+            <a:ext uri="{FF2B5EF4-FFF2-40B4-BE49-F238E27FC236}">
+              <a16:creationId xmlns:a16="http://schemas.microsoft.com/office/drawing/2014/main" id="{16157C9A-E31E-B73F-403A-357A6F94DF7C}"/>
+            </a:ext>
+          </a:extLst>
+        </p:cNvPr>
+        <p:cNvGrpSpPr/>
+        <p:nvPr/>
+      </p:nvGrpSpPr>
+      <p:grpSpPr>
+        <a:xfrm>
+          <a:off x="0" y="0"/>
+          <a:ext cx="0" cy="0"/>
+          <a:chOff x="0" y="0"/>
+          <a:chExt cx="0" cy="0"/>
+        </a:xfrm>
+      </p:grpSpPr>
+      <p:sp>
+        <p:nvSpPr>
+          <p:cNvPr id="2" name="Folienbildplatzhalter 1">
+            <a:extLst>
+              <a:ext uri="{FF2B5EF4-FFF2-40B4-BE49-F238E27FC236}">
+                <a16:creationId xmlns:a16="http://schemas.microsoft.com/office/drawing/2014/main" id="{81B03F43-CF17-A3EA-044E-08B17C5BA7A2}"/>
+              </a:ext>
+            </a:extLst>
+          </p:cNvPr>
+          <p:cNvSpPr>
+            <a:spLocks noGrp="1" noRot="1" noChangeAspect="1"/>
+          </p:cNvSpPr>
+          <p:nvPr>
+            <p:ph type="sldImg"/>
+          </p:nvPr>
+        </p:nvSpPr>
+        <p:spPr/>
+      </p:sp>
+      <p:sp>
+        <p:nvSpPr>
+          <p:cNvPr id="3" name="Notizenplatzhalter 2">
+            <a:extLst>
+              <a:ext uri="{FF2B5EF4-FFF2-40B4-BE49-F238E27FC236}">
+                <a16:creationId xmlns:a16="http://schemas.microsoft.com/office/drawing/2014/main" id="{90F6DE37-6309-94F1-7CB5-A384F702EAD8}"/>
+              </a:ext>
+            </a:extLst>
+          </p:cNvPr>
+          <p:cNvSpPr>
+            <a:spLocks noGrp="1"/>
+          </p:cNvSpPr>
+          <p:nvPr>
+            <p:ph type="body" idx="1"/>
+          </p:nvPr>
+        </p:nvSpPr>
+        <p:spPr/>
+        <p:txBody>
+          <a:bodyPr/>
+          <a:lstStyle/>
+          <a:p>
+            <a:endParaRPr lang="de-DE" dirty="0"/>
+          </a:p>
+        </p:txBody>
+      </p:sp>
+      <p:sp>
+        <p:nvSpPr>
+          <p:cNvPr id="4" name="Foliennummernplatzhalter 3">
+            <a:extLst>
+              <a:ext uri="{FF2B5EF4-FFF2-40B4-BE49-F238E27FC236}">
+                <a16:creationId xmlns:a16="http://schemas.microsoft.com/office/drawing/2014/main" id="{209EE149-6A67-A569-D165-4A286CE7EA73}"/>
+              </a:ext>
+            </a:extLst>
+          </p:cNvPr>
+          <p:cNvSpPr>
+            <a:spLocks noGrp="1"/>
+          </p:cNvSpPr>
+          <p:nvPr>
+            <p:ph type="sldNum" sz="quarter" idx="5"/>
+          </p:nvPr>
+        </p:nvSpPr>
+        <p:spPr/>
+        <p:txBody>
+          <a:bodyPr/>
+          <a:lstStyle/>
+          <a:p>
+            <a:fld id="{10AD21C1-E47D-7047-B2C8-BB1577D3FD31}" type="slidenum">
+              <a:rPr lang="de-DE" smtClean="0"/>
+              <a:t>2</a:t>
+            </a:fld>
+            <a:endParaRPr lang="de-DE"/>
+          </a:p>
+        </p:txBody>
+      </p:sp>
+    </p:spTree>
+    <p:extLst>
+      <p:ext uri="{BB962C8B-B14F-4D97-AF65-F5344CB8AC3E}">
+        <p14:creationId xmlns:p14="http://schemas.microsoft.com/office/powerpoint/2010/main" val="2333392989"/>
+      </p:ext>
+    </p:extLst>
+  </p:cSld>
+  <p:clrMapOvr>
+    <a:masterClrMapping/>
+  </p:clrMapOvr>
+</p:notes>
+</file>
+
 <file path=ppt/slideLayouts/slideLayout1.xml><?xml version="1.0" encoding="utf-8"?>
 <p:sldLayout xmlns:a="http://schemas.openxmlformats.org/drawingml/2006/main" xmlns:r="http://schemas.openxmlformats.org/officeDocument/2006/relationships" xmlns:p="http://schemas.openxmlformats.org/presentationml/2006/main" type="title" preserve="1">
   <p:cSld name="Titelfolie">
@@ -674,7 +788,7 @@
           <a:p>
             <a:fld id="{EC7679D8-5446-7A40-9DEA-0BE9924772A9}" type="datetimeFigureOut">
               <a:rPr lang="de-DE" smtClean="0"/>
-              <a:t>10.11.24</a:t>
+              <a:t>11.11.24</a:t>
             </a:fld>
             <a:endParaRPr lang="de-DE"/>
           </a:p>
@@ -844,7 +958,7 @@
           <a:p>
             <a:fld id="{EC7679D8-5446-7A40-9DEA-0BE9924772A9}" type="datetimeFigureOut">
               <a:rPr lang="de-DE" smtClean="0"/>
-              <a:t>10.11.24</a:t>
+              <a:t>11.11.24</a:t>
             </a:fld>
             <a:endParaRPr lang="de-DE"/>
           </a:p>
@@ -1024,7 +1138,7 @@
           <a:p>
             <a:fld id="{EC7679D8-5446-7A40-9DEA-0BE9924772A9}" type="datetimeFigureOut">
               <a:rPr lang="de-DE" smtClean="0"/>
-              <a:t>10.11.24</a:t>
+              <a:t>11.11.24</a:t>
             </a:fld>
             <a:endParaRPr lang="de-DE"/>
           </a:p>
@@ -1194,7 +1308,7 @@
           <a:p>
             <a:fld id="{EC7679D8-5446-7A40-9DEA-0BE9924772A9}" type="datetimeFigureOut">
               <a:rPr lang="de-DE" smtClean="0"/>
-              <a:t>10.11.24</a:t>
+              <a:t>11.11.24</a:t>
             </a:fld>
             <a:endParaRPr lang="de-DE"/>
           </a:p>
@@ -1440,7 +1554,7 @@
           <a:p>
             <a:fld id="{EC7679D8-5446-7A40-9DEA-0BE9924772A9}" type="datetimeFigureOut">
               <a:rPr lang="de-DE" smtClean="0"/>
-              <a:t>10.11.24</a:t>
+              <a:t>11.11.24</a:t>
             </a:fld>
             <a:endParaRPr lang="de-DE"/>
           </a:p>
@@ -1672,7 +1786,7 @@
           <a:p>
             <a:fld id="{EC7679D8-5446-7A40-9DEA-0BE9924772A9}" type="datetimeFigureOut">
               <a:rPr lang="de-DE" smtClean="0"/>
-              <a:t>10.11.24</a:t>
+              <a:t>11.11.24</a:t>
             </a:fld>
             <a:endParaRPr lang="de-DE"/>
           </a:p>
@@ -2039,7 +2153,7 @@
           <a:p>
             <a:fld id="{EC7679D8-5446-7A40-9DEA-0BE9924772A9}" type="datetimeFigureOut">
               <a:rPr lang="de-DE" smtClean="0"/>
-              <a:t>10.11.24</a:t>
+              <a:t>11.11.24</a:t>
             </a:fld>
             <a:endParaRPr lang="de-DE"/>
           </a:p>
@@ -2157,7 +2271,7 @@
           <a:p>
             <a:fld id="{EC7679D8-5446-7A40-9DEA-0BE9924772A9}" type="datetimeFigureOut">
               <a:rPr lang="de-DE" smtClean="0"/>
-              <a:t>10.11.24</a:t>
+              <a:t>11.11.24</a:t>
             </a:fld>
             <a:endParaRPr lang="de-DE"/>
           </a:p>
@@ -2252,7 +2366,7 @@
           <a:p>
             <a:fld id="{EC7679D8-5446-7A40-9DEA-0BE9924772A9}" type="datetimeFigureOut">
               <a:rPr lang="de-DE" smtClean="0"/>
-              <a:t>10.11.24</a:t>
+              <a:t>11.11.24</a:t>
             </a:fld>
             <a:endParaRPr lang="de-DE"/>
           </a:p>
@@ -2529,7 +2643,7 @@
           <a:p>
             <a:fld id="{EC7679D8-5446-7A40-9DEA-0BE9924772A9}" type="datetimeFigureOut">
               <a:rPr lang="de-DE" smtClean="0"/>
-              <a:t>10.11.24</a:t>
+              <a:t>11.11.24</a:t>
             </a:fld>
             <a:endParaRPr lang="de-DE"/>
           </a:p>
@@ -2786,7 +2900,7 @@
           <a:p>
             <a:fld id="{EC7679D8-5446-7A40-9DEA-0BE9924772A9}" type="datetimeFigureOut">
               <a:rPr lang="de-DE" smtClean="0"/>
-              <a:t>10.11.24</a:t>
+              <a:t>11.11.24</a:t>
             </a:fld>
             <a:endParaRPr lang="de-DE"/>
           </a:p>
@@ -2999,7 +3113,7 @@
           <a:p>
             <a:fld id="{EC7679D8-5446-7A40-9DEA-0BE9924772A9}" type="datetimeFigureOut">
               <a:rPr lang="de-DE" smtClean="0"/>
-              <a:t>10.11.24</a:t>
+              <a:t>11.11.24</a:t>
             </a:fld>
             <a:endParaRPr lang="de-DE"/>
           </a:p>
@@ -3439,18 +3553,11 @@
           <a:p>
             <a:pPr algn="ctr"/>
             <a:r>
-              <a:rPr lang="de-DE" u="sng" dirty="0" err="1">
-                <a:latin typeface="Times New Roman" panose="02020603050405020304" pitchFamily="18" charset="0"/>
-                <a:cs typeface="Times New Roman" panose="02020603050405020304" pitchFamily="18" charset="0"/>
-              </a:rPr>
-              <a:t>Vibrational</a:t>
-            </a:r>
-            <a:r>
               <a:rPr lang="de-DE" u="sng" dirty="0">
                 <a:latin typeface="Times New Roman" panose="02020603050405020304" pitchFamily="18" charset="0"/>
                 <a:cs typeface="Times New Roman" panose="02020603050405020304" pitchFamily="18" charset="0"/>
               </a:rPr>
-              <a:t> Modes</a:t>
+              <a:t>Vibrational Modes</a:t>
             </a:r>
           </a:p>
           <a:p>
@@ -3663,21 +3770,7 @@
                 <a:latin typeface="Times New Roman" panose="02020603050405020304" pitchFamily="18" charset="0"/>
                 <a:cs typeface="Times New Roman" panose="02020603050405020304" pitchFamily="18" charset="0"/>
               </a:rPr>
-              <a:t> </a:t>
-            </a:r>
-            <a:r>
-              <a:rPr lang="de-DE" sz="3600" b="1" dirty="0" err="1">
-                <a:latin typeface="Times New Roman" panose="02020603050405020304" pitchFamily="18" charset="0"/>
-                <a:cs typeface="Times New Roman" panose="02020603050405020304" pitchFamily="18" charset="0"/>
-              </a:rPr>
-              <a:t>Vibrational</a:t>
-            </a:r>
-            <a:r>
-              <a:rPr lang="de-DE" sz="3600" b="1" dirty="0">
-                <a:latin typeface="Times New Roman" panose="02020603050405020304" pitchFamily="18" charset="0"/>
-                <a:cs typeface="Times New Roman" panose="02020603050405020304" pitchFamily="18" charset="0"/>
-              </a:rPr>
-              <a:t> </a:t>
+              <a:t> Vibrational </a:t>
             </a:r>
             <a:r>
               <a:rPr lang="de-DE" sz="3600" b="1" dirty="0" err="1">
@@ -3691,21 +3784,7 @@
                 <a:latin typeface="Times New Roman" panose="02020603050405020304" pitchFamily="18" charset="0"/>
                 <a:cs typeface="Times New Roman" panose="02020603050405020304" pitchFamily="18" charset="0"/>
               </a:rPr>
-              <a:t> </a:t>
-            </a:r>
-            <a:r>
-              <a:rPr lang="de-DE" sz="3600" b="1" dirty="0" err="1">
-                <a:latin typeface="Times New Roman" panose="02020603050405020304" pitchFamily="18" charset="0"/>
-                <a:cs typeface="Times New Roman" panose="02020603050405020304" pitchFamily="18" charset="0"/>
-              </a:rPr>
-              <a:t>Notations</a:t>
-            </a:r>
-            <a:r>
-              <a:rPr lang="de-DE" sz="3600" b="1" dirty="0">
-                <a:latin typeface="Times New Roman" panose="02020603050405020304" pitchFamily="18" charset="0"/>
-                <a:cs typeface="Times New Roman" panose="02020603050405020304" pitchFamily="18" charset="0"/>
-              </a:rPr>
-              <a:t> </a:t>
+              <a:t> Notations </a:t>
             </a:r>
             <a:r>
               <a:rPr lang="de-DE" sz="3600" b="1" dirty="0" err="1">
@@ -3832,8 +3911,8 @@
             </a:prstGeom>
           </p:spPr>
         </p:pic>
-        <mc:AlternateContent xmlns:mc="http://schemas.openxmlformats.org/markup-compatibility/2006">
-          <mc:Choice xmlns:a14="http://schemas.microsoft.com/office/drawing/2010/main" Requires="a14">
+        <mc:AlternateContent xmlns:mc="http://schemas.openxmlformats.org/markup-compatibility/2006" xmlns:a14="http://schemas.microsoft.com/office/drawing/2010/main">
+          <mc:Choice Requires="a14">
             <p:sp>
               <p:nvSpPr>
                 <p:cNvPr id="15" name="Textfeld 14">
@@ -3906,7 +3985,7 @@
               </p:txBody>
             </p:sp>
           </mc:Choice>
-          <mc:Fallback>
+          <mc:Fallback xmlns="">
             <p:sp>
               <p:nvSpPr>
                 <p:cNvPr id="15" name="Textfeld 14">
@@ -3951,8 +4030,8 @@
             </p:sp>
           </mc:Fallback>
         </mc:AlternateContent>
-        <mc:AlternateContent xmlns:mc="http://schemas.openxmlformats.org/markup-compatibility/2006">
-          <mc:Choice xmlns:a14="http://schemas.microsoft.com/office/drawing/2010/main" Requires="a14">
+        <mc:AlternateContent xmlns:mc="http://schemas.openxmlformats.org/markup-compatibility/2006" xmlns:a14="http://schemas.microsoft.com/office/drawing/2010/main">
+          <mc:Choice Requires="a14">
             <p:sp>
               <p:nvSpPr>
                 <p:cNvPr id="16" name="Textfeld 15">
@@ -4025,7 +4104,7 @@
               </p:txBody>
             </p:sp>
           </mc:Choice>
-          <mc:Fallback>
+          <mc:Fallback xmlns="">
             <p:sp>
               <p:nvSpPr>
                 <p:cNvPr id="16" name="Textfeld 15">
@@ -4432,19 +4511,8 @@
                 <a:latin typeface="Times New Roman" panose="02020603050405020304" pitchFamily="18" charset="0"/>
                 <a:cs typeface="Times New Roman" panose="02020603050405020304" pitchFamily="18" charset="0"/>
               </a:rPr>
-              <a:t>Normal Mode </a:t>
-            </a:r>
-            <a:r>
-              <a:rPr lang="de-DE" dirty="0" err="1">
-                <a:latin typeface="Times New Roman" panose="02020603050405020304" pitchFamily="18" charset="0"/>
-                <a:cs typeface="Times New Roman" panose="02020603050405020304" pitchFamily="18" charset="0"/>
-              </a:rPr>
-              <a:t>Decomposition</a:t>
-            </a:r>
-            <a:endParaRPr lang="de-DE" dirty="0">
-              <a:latin typeface="Times New Roman" panose="02020603050405020304" pitchFamily="18" charset="0"/>
-              <a:cs typeface="Times New Roman" panose="02020603050405020304" pitchFamily="18" charset="0"/>
-            </a:endParaRPr>
+              <a:t>Normal Mode Decomposition</a:t>
+            </a:r>
           </a:p>
         </p:txBody>
       </p:sp>
@@ -4758,6 +4826,428 @@
     <p:extLst>
       <p:ext uri="{BB962C8B-B14F-4D97-AF65-F5344CB8AC3E}">
         <p14:creationId xmlns:p14="http://schemas.microsoft.com/office/powerpoint/2010/main" val="2730019194"/>
+      </p:ext>
+    </p:extLst>
+  </p:cSld>
+  <p:clrMapOvr>
+    <a:masterClrMapping/>
+  </p:clrMapOvr>
+</p:sld>
+</file>
+
+<file path=ppt/slides/slide2.xml><?xml version="1.0" encoding="utf-8"?>
+<p:sld xmlns:a="http://schemas.openxmlformats.org/drawingml/2006/main" xmlns:r="http://schemas.openxmlformats.org/officeDocument/2006/relationships" xmlns:p="http://schemas.openxmlformats.org/presentationml/2006/main">
+  <p:cSld>
+    <p:spTree>
+      <p:nvGrpSpPr>
+        <p:cNvPr id="1" name="">
+          <a:extLst>
+            <a:ext uri="{FF2B5EF4-FFF2-40B4-BE49-F238E27FC236}">
+              <a16:creationId xmlns:a16="http://schemas.microsoft.com/office/drawing/2014/main" id="{44166A6F-6589-6582-B207-AA015690FF96}"/>
+            </a:ext>
+          </a:extLst>
+        </p:cNvPr>
+        <p:cNvGrpSpPr/>
+        <p:nvPr/>
+      </p:nvGrpSpPr>
+      <p:grpSpPr>
+        <a:xfrm>
+          <a:off x="0" y="0"/>
+          <a:ext cx="0" cy="0"/>
+          <a:chOff x="0" y="0"/>
+          <a:chExt cx="0" cy="0"/>
+        </a:xfrm>
+      </p:grpSpPr>
+      <p:sp>
+        <p:nvSpPr>
+          <p:cNvPr id="32" name="Textfeld 31">
+            <a:extLst>
+              <a:ext uri="{FF2B5EF4-FFF2-40B4-BE49-F238E27FC236}">
+                <a16:creationId xmlns:a16="http://schemas.microsoft.com/office/drawing/2014/main" id="{DFC4C80C-E077-781F-6398-C6BD45588257}"/>
+              </a:ext>
+            </a:extLst>
+          </p:cNvPr>
+          <p:cNvSpPr txBox="1"/>
+          <p:nvPr/>
+        </p:nvSpPr>
+        <p:spPr>
+          <a:xfrm>
+            <a:off x="174929" y="3188473"/>
+            <a:ext cx="11990698" cy="1733384"/>
+          </a:xfrm>
+          <a:prstGeom prst="rect">
+            <a:avLst/>
+          </a:prstGeom>
+          <a:noFill/>
+          <a:ln>
+            <a:solidFill>
+              <a:schemeClr val="tx1"/>
+            </a:solidFill>
+          </a:ln>
+        </p:spPr>
+        <p:txBody>
+          <a:bodyPr wrap="square" rtlCol="0">
+            <a:spAutoFit/>
+          </a:bodyPr>
+          <a:lstStyle/>
+          <a:p>
+            <a:endParaRPr lang="de-DE" dirty="0"/>
+          </a:p>
+        </p:txBody>
+      </p:sp>
+      <p:pic>
+        <p:nvPicPr>
+          <p:cNvPr id="26" name="Grafik 25" descr="Ein Bild, das Text, Screenshot, Zahl, Schrift enthält.&#10;&#10;Automatisch generierte Beschreibung">
+            <a:extLst>
+              <a:ext uri="{FF2B5EF4-FFF2-40B4-BE49-F238E27FC236}">
+                <a16:creationId xmlns:a16="http://schemas.microsoft.com/office/drawing/2014/main" id="{B41E4D82-58E1-A961-DC85-3886418B41E3}"/>
+              </a:ext>
+            </a:extLst>
+          </p:cNvPr>
+          <p:cNvPicPr>
+            <a:picLocks noChangeAspect="1"/>
+          </p:cNvPicPr>
+          <p:nvPr/>
+        </p:nvPicPr>
+        <p:blipFill>
+          <a:blip r:embed="rId3"/>
+          <a:stretch>
+            <a:fillRect/>
+          </a:stretch>
+        </p:blipFill>
+        <p:spPr>
+          <a:xfrm>
+            <a:off x="825663" y="101376"/>
+            <a:ext cx="4359173" cy="2959074"/>
+          </a:xfrm>
+          <a:prstGeom prst="rect">
+            <a:avLst/>
+          </a:prstGeom>
+        </p:spPr>
+      </p:pic>
+      <p:pic>
+        <p:nvPicPr>
+          <p:cNvPr id="29" name="Grafik 28" descr="Ein Bild, das Ballon, Ball enthält.&#10;&#10;Automatisch generierte Beschreibung">
+            <a:extLst>
+              <a:ext uri="{FF2B5EF4-FFF2-40B4-BE49-F238E27FC236}">
+                <a16:creationId xmlns:a16="http://schemas.microsoft.com/office/drawing/2014/main" id="{D826023F-0DCE-8A73-991E-68ABC0EE65D1}"/>
+              </a:ext>
+            </a:extLst>
+          </p:cNvPr>
+          <p:cNvPicPr>
+            <a:picLocks noChangeAspect="1"/>
+          </p:cNvPicPr>
+          <p:nvPr/>
+        </p:nvPicPr>
+        <p:blipFill>
+          <a:blip r:embed="rId4"/>
+          <a:stretch>
+            <a:fillRect/>
+          </a:stretch>
+        </p:blipFill>
+        <p:spPr>
+          <a:xfrm>
+            <a:off x="8368985" y="604300"/>
+            <a:ext cx="2610293" cy="1625018"/>
+          </a:xfrm>
+          <a:prstGeom prst="rect">
+            <a:avLst/>
+          </a:prstGeom>
+        </p:spPr>
+      </p:pic>
+      <p:sp>
+        <p:nvSpPr>
+          <p:cNvPr id="30" name="Pfeil nach rechts 29">
+            <a:extLst>
+              <a:ext uri="{FF2B5EF4-FFF2-40B4-BE49-F238E27FC236}">
+                <a16:creationId xmlns:a16="http://schemas.microsoft.com/office/drawing/2014/main" id="{9B5F7F16-3B8A-1811-D45E-006395F695F9}"/>
+              </a:ext>
+            </a:extLst>
+          </p:cNvPr>
+          <p:cNvSpPr/>
+          <p:nvPr/>
+        </p:nvSpPr>
+        <p:spPr>
+          <a:xfrm flipH="1" flipV="1">
+            <a:off x="5363101" y="1190171"/>
+            <a:ext cx="2954653" cy="369332"/>
+          </a:xfrm>
+          <a:prstGeom prst="rightArrow">
+            <a:avLst>
+              <a:gd name="adj1" fmla="val 57504"/>
+              <a:gd name="adj2" fmla="val 50000"/>
+            </a:avLst>
+          </a:prstGeom>
+          <a:solidFill>
+            <a:srgbClr val="6DAFD7"/>
+          </a:solidFill>
+        </p:spPr>
+        <p:style>
+          <a:lnRef idx="2">
+            <a:schemeClr val="accent1">
+              <a:shade val="15000"/>
+            </a:schemeClr>
+          </a:lnRef>
+          <a:fillRef idx="1">
+            <a:schemeClr val="accent1"/>
+          </a:fillRef>
+          <a:effectRef idx="0">
+            <a:schemeClr val="accent1"/>
+          </a:effectRef>
+          <a:fontRef idx="minor">
+            <a:schemeClr val="lt1"/>
+          </a:fontRef>
+        </p:style>
+        <p:txBody>
+          <a:bodyPr rtlCol="0" anchor="ctr"/>
+          <a:lstStyle/>
+          <a:p>
+            <a:pPr algn="ctr"/>
+            <a:endParaRPr lang="de-DE"/>
+          </a:p>
+        </p:txBody>
+      </p:sp>
+      <p:sp>
+        <p:nvSpPr>
+          <p:cNvPr id="33" name="Rahmen 32">
+            <a:extLst>
+              <a:ext uri="{FF2B5EF4-FFF2-40B4-BE49-F238E27FC236}">
+                <a16:creationId xmlns:a16="http://schemas.microsoft.com/office/drawing/2014/main" id="{16EABFBC-14E5-B964-52A3-AAFBC02E2BA8}"/>
+              </a:ext>
+            </a:extLst>
+          </p:cNvPr>
+          <p:cNvSpPr/>
+          <p:nvPr/>
+        </p:nvSpPr>
+        <p:spPr>
+          <a:xfrm>
+            <a:off x="4009812" y="176107"/>
+            <a:ext cx="243841" cy="2626610"/>
+          </a:xfrm>
+          <a:prstGeom prst="frame">
+            <a:avLst>
+              <a:gd name="adj1" fmla="val 0"/>
+            </a:avLst>
+          </a:prstGeom>
+          <a:ln w="12700">
+            <a:solidFill>
+              <a:schemeClr val="accent3"/>
+            </a:solidFill>
+          </a:ln>
+        </p:spPr>
+        <p:style>
+          <a:lnRef idx="2">
+            <a:schemeClr val="accent1">
+              <a:shade val="15000"/>
+            </a:schemeClr>
+          </a:lnRef>
+          <a:fillRef idx="1">
+            <a:schemeClr val="accent1"/>
+          </a:fillRef>
+          <a:effectRef idx="0">
+            <a:schemeClr val="accent1"/>
+          </a:effectRef>
+          <a:fontRef idx="minor">
+            <a:schemeClr val="lt1"/>
+          </a:fontRef>
+        </p:style>
+        <p:txBody>
+          <a:bodyPr rtlCol="0" anchor="ctr"/>
+          <a:lstStyle/>
+          <a:p>
+            <a:pPr algn="ctr"/>
+            <a:endParaRPr lang="de-DE">
+              <a:solidFill>
+                <a:schemeClr val="tx1"/>
+              </a:solidFill>
+            </a:endParaRPr>
+          </a:p>
+        </p:txBody>
+      </p:sp>
+      <p:sp>
+        <p:nvSpPr>
+          <p:cNvPr id="34" name="Textfeld 33">
+            <a:extLst>
+              <a:ext uri="{FF2B5EF4-FFF2-40B4-BE49-F238E27FC236}">
+                <a16:creationId xmlns:a16="http://schemas.microsoft.com/office/drawing/2014/main" id="{5911B195-1C8C-C891-DE8C-A9F0FC8B6CC5}"/>
+              </a:ext>
+            </a:extLst>
+          </p:cNvPr>
+          <p:cNvSpPr txBox="1"/>
+          <p:nvPr/>
+        </p:nvSpPr>
+        <p:spPr>
+          <a:xfrm>
+            <a:off x="5414330" y="756828"/>
+            <a:ext cx="2954655" cy="369332"/>
+          </a:xfrm>
+          <a:prstGeom prst="rect">
+            <a:avLst/>
+          </a:prstGeom>
+          <a:noFill/>
+        </p:spPr>
+        <p:txBody>
+          <a:bodyPr wrap="none" rtlCol="0">
+            <a:spAutoFit/>
+          </a:bodyPr>
+          <a:lstStyle/>
+          <a:p>
+            <a:r>
+              <a:rPr lang="de-DE" dirty="0">
+                <a:latin typeface="Times New Roman" panose="02020603050405020304" pitchFamily="18" charset="0"/>
+                <a:cs typeface="Times New Roman" panose="02020603050405020304" pitchFamily="18" charset="0"/>
+              </a:rPr>
+              <a:t>Normal Mode Decomposition</a:t>
+            </a:r>
+          </a:p>
+        </p:txBody>
+      </p:sp>
+      <p:sp>
+        <p:nvSpPr>
+          <p:cNvPr id="35" name="Pfeil nach rechts 34">
+            <a:extLst>
+              <a:ext uri="{FF2B5EF4-FFF2-40B4-BE49-F238E27FC236}">
+                <a16:creationId xmlns:a16="http://schemas.microsoft.com/office/drawing/2014/main" id="{D973F3A6-C51A-0B59-E82B-CE626504F74C}"/>
+              </a:ext>
+            </a:extLst>
+          </p:cNvPr>
+          <p:cNvSpPr/>
+          <p:nvPr/>
+        </p:nvSpPr>
+        <p:spPr>
+          <a:xfrm rot="16200000" flipH="1" flipV="1">
+            <a:off x="2502600" y="3256348"/>
+            <a:ext cx="1005298" cy="521216"/>
+          </a:xfrm>
+          <a:prstGeom prst="rightArrow">
+            <a:avLst>
+              <a:gd name="adj1" fmla="val 57504"/>
+              <a:gd name="adj2" fmla="val 50000"/>
+            </a:avLst>
+          </a:prstGeom>
+          <a:solidFill>
+            <a:srgbClr val="6DAFD7"/>
+          </a:solidFill>
+        </p:spPr>
+        <p:style>
+          <a:lnRef idx="2">
+            <a:schemeClr val="accent1">
+              <a:shade val="15000"/>
+            </a:schemeClr>
+          </a:lnRef>
+          <a:fillRef idx="1">
+            <a:schemeClr val="accent1"/>
+          </a:fillRef>
+          <a:effectRef idx="0">
+            <a:schemeClr val="accent1"/>
+          </a:effectRef>
+          <a:fontRef idx="minor">
+            <a:schemeClr val="lt1"/>
+          </a:fontRef>
+        </p:style>
+        <p:txBody>
+          <a:bodyPr rtlCol="0" anchor="ctr"/>
+          <a:lstStyle/>
+          <a:p>
+            <a:pPr algn="ctr"/>
+            <a:endParaRPr lang="de-DE"/>
+          </a:p>
+        </p:txBody>
+      </p:sp>
+      <p:sp>
+        <p:nvSpPr>
+          <p:cNvPr id="36" name="Textfeld 35">
+            <a:extLst>
+              <a:ext uri="{FF2B5EF4-FFF2-40B4-BE49-F238E27FC236}">
+                <a16:creationId xmlns:a16="http://schemas.microsoft.com/office/drawing/2014/main" id="{4BD01806-CE05-5D72-775E-AB95DC2ACA4B}"/>
+              </a:ext>
+            </a:extLst>
+          </p:cNvPr>
+          <p:cNvSpPr txBox="1"/>
+          <p:nvPr/>
+        </p:nvSpPr>
+        <p:spPr>
+          <a:xfrm>
+            <a:off x="3265857" y="3203922"/>
+            <a:ext cx="2177776" cy="369332"/>
+          </a:xfrm>
+          <a:prstGeom prst="rect">
+            <a:avLst/>
+          </a:prstGeom>
+          <a:noFill/>
+        </p:spPr>
+        <p:txBody>
+          <a:bodyPr wrap="none" rtlCol="0">
+            <a:spAutoFit/>
+          </a:bodyPr>
+          <a:lstStyle/>
+          <a:p>
+            <a:r>
+              <a:rPr lang="de-DE" dirty="0">
+                <a:latin typeface="Times New Roman" panose="02020603050405020304" pitchFamily="18" charset="0"/>
+                <a:cs typeface="Times New Roman" panose="02020603050405020304" pitchFamily="18" charset="0"/>
+              </a:rPr>
+              <a:t>Vibrational Notations</a:t>
+            </a:r>
+          </a:p>
+        </p:txBody>
+      </p:sp>
+      <p:sp>
+        <p:nvSpPr>
+          <p:cNvPr id="37" name="Textfeld 36">
+            <a:extLst>
+              <a:ext uri="{FF2B5EF4-FFF2-40B4-BE49-F238E27FC236}">
+                <a16:creationId xmlns:a16="http://schemas.microsoft.com/office/drawing/2014/main" id="{B81E52ED-400E-6556-E77D-8BD474285032}"/>
+              </a:ext>
+            </a:extLst>
+          </p:cNvPr>
+          <p:cNvSpPr txBox="1"/>
+          <p:nvPr/>
+        </p:nvSpPr>
+        <p:spPr>
+          <a:xfrm>
+            <a:off x="5787008" y="3834939"/>
+            <a:ext cx="1928733" cy="369332"/>
+          </a:xfrm>
+          <a:prstGeom prst="rect">
+            <a:avLst/>
+          </a:prstGeom>
+          <a:noFill/>
+        </p:spPr>
+        <p:txBody>
+          <a:bodyPr wrap="none" rtlCol="0">
+            <a:spAutoFit/>
+          </a:bodyPr>
+          <a:lstStyle/>
+          <a:p>
+            <a:r>
+              <a:rPr lang="de-DE" dirty="0" err="1"/>
+              <a:t>Pls</a:t>
+            </a:r>
+            <a:r>
+              <a:rPr lang="de-DE" dirty="0"/>
+              <a:t> </a:t>
+            </a:r>
+            <a:r>
+              <a:rPr lang="de-DE" dirty="0" err="1"/>
+              <a:t>add</a:t>
+            </a:r>
+            <a:r>
+              <a:rPr lang="de-DE" dirty="0"/>
+              <a:t> </a:t>
+            </a:r>
+            <a:r>
+              <a:rPr lang="de-DE" dirty="0" err="1"/>
+              <a:t>spectrum</a:t>
+            </a:r>
+            <a:endParaRPr lang="de-DE" dirty="0"/>
+          </a:p>
+        </p:txBody>
+      </p:sp>
+    </p:spTree>
+    <p:extLst>
+      <p:ext uri="{BB962C8B-B14F-4D97-AF65-F5344CB8AC3E}">
+        <p14:creationId xmlns:p14="http://schemas.microsoft.com/office/powerpoint/2010/main" val="941481217"/>
       </p:ext>
     </p:extLst>
   </p:cSld>
